--- a/Literature Review/graphs/healthcare system.pptx
+++ b/Literature Review/graphs/healthcare system.pptx
@@ -7,6 +7,7 @@
   <p:sldIdLst>
     <p:sldId id="256" r:id="rId3"/>
     <p:sldId id="257" r:id="rId4"/>
+    <p:sldId id="258" r:id="rId5"/>
   </p:sldIdLst>
   <p:sldSz cx="12192000" cy="6858000"/>
   <p:notesSz cx="6858000" cy="9144000"/>
@@ -105,6 +106,11 @@
       </a:defRPr>
     </a:lvl9pPr>
   </p:defaultTextStyle>
+  <p:extLst>
+    <p:ext uri="{EFAFB233-063F-42B5-8137-9DF3F51BA10A}">
+      <p15:sldGuideLst xmlns:p15="http://schemas.microsoft.com/office/powerpoint/2012/main"/>
+    </p:ext>
+  </p:extLst>
 </p:presentation>
 </file>
 
@@ -150,10 +156,9 @@
           </a:lstStyle>
           <a:p>
             <a:r>
-              <a:rPr lang="en-US" smtClean="0"/>
+              <a:rPr lang="en-US"/>
               <a:t>Click to edit Master title style</a:t>
             </a:r>
-            <a:endParaRPr lang="en-US"/>
           </a:p>
         </p:txBody>
       </p:sp>
@@ -215,10 +220,9 @@
           </a:lstStyle>
           <a:p>
             <a:r>
-              <a:rPr lang="en-US" smtClean="0"/>
+              <a:rPr lang="en-US"/>
               <a:t>Click to edit Master subtitle style</a:t>
             </a:r>
-            <a:endParaRPr lang="en-US"/>
           </a:p>
         </p:txBody>
       </p:sp>
@@ -239,7 +243,7 @@
           <a:p>
             <a:fld id="{71B47EE2-30C8-4F3F-8EEE-DF49B96B39DC}" type="datetimeFigureOut">
               <a:rPr lang="en-US" smtClean="0"/>
-              <a:t>2/6/2019</a:t>
+              <a:t>2/10/2019</a:t>
             </a:fld>
             <a:endParaRPr lang="en-US"/>
           </a:p>
@@ -333,10 +337,9 @@
           <a:lstStyle/>
           <a:p>
             <a:r>
-              <a:rPr lang="en-US" smtClean="0"/>
+              <a:rPr lang="en-US"/>
               <a:t>Click to edit Master title style</a:t>
             </a:r>
-            <a:endParaRPr lang="en-US"/>
           </a:p>
         </p:txBody>
       </p:sp>
@@ -357,38 +360,37 @@
           <a:p>
             <a:pPr lvl="0"/>
             <a:r>
-              <a:rPr lang="en-US" smtClean="0"/>
+              <a:rPr lang="en-US"/>
               <a:t>Click to edit Master text styles</a:t>
             </a:r>
           </a:p>
           <a:p>
             <a:pPr lvl="1"/>
             <a:r>
-              <a:rPr lang="en-US" smtClean="0"/>
+              <a:rPr lang="en-US"/>
               <a:t>Second level</a:t>
             </a:r>
           </a:p>
           <a:p>
             <a:pPr lvl="2"/>
             <a:r>
-              <a:rPr lang="en-US" smtClean="0"/>
+              <a:rPr lang="en-US"/>
               <a:t>Third level</a:t>
             </a:r>
           </a:p>
           <a:p>
             <a:pPr lvl="3"/>
             <a:r>
-              <a:rPr lang="en-US" smtClean="0"/>
+              <a:rPr lang="en-US"/>
               <a:t>Fourth level</a:t>
             </a:r>
           </a:p>
           <a:p>
             <a:pPr lvl="4"/>
             <a:r>
-              <a:rPr lang="en-US" smtClean="0"/>
+              <a:rPr lang="en-US"/>
               <a:t>Fifth level</a:t>
             </a:r>
-            <a:endParaRPr lang="en-US"/>
           </a:p>
         </p:txBody>
       </p:sp>
@@ -409,7 +411,7 @@
           <a:p>
             <a:fld id="{71B47EE2-30C8-4F3F-8EEE-DF49B96B39DC}" type="datetimeFigureOut">
               <a:rPr lang="en-US" smtClean="0"/>
-              <a:t>2/6/2019</a:t>
+              <a:t>2/10/2019</a:t>
             </a:fld>
             <a:endParaRPr lang="en-US"/>
           </a:p>
@@ -508,10 +510,9 @@
           <a:lstStyle/>
           <a:p>
             <a:r>
-              <a:rPr lang="en-US" smtClean="0"/>
+              <a:rPr lang="en-US"/>
               <a:t>Click to edit Master title style</a:t>
             </a:r>
-            <a:endParaRPr lang="en-US"/>
           </a:p>
         </p:txBody>
       </p:sp>
@@ -537,38 +538,37 @@
           <a:p>
             <a:pPr lvl="0"/>
             <a:r>
-              <a:rPr lang="en-US" smtClean="0"/>
+              <a:rPr lang="en-US"/>
               <a:t>Click to edit Master text styles</a:t>
             </a:r>
           </a:p>
           <a:p>
             <a:pPr lvl="1"/>
             <a:r>
-              <a:rPr lang="en-US" smtClean="0"/>
+              <a:rPr lang="en-US"/>
               <a:t>Second level</a:t>
             </a:r>
           </a:p>
           <a:p>
             <a:pPr lvl="2"/>
             <a:r>
-              <a:rPr lang="en-US" smtClean="0"/>
+              <a:rPr lang="en-US"/>
               <a:t>Third level</a:t>
             </a:r>
           </a:p>
           <a:p>
             <a:pPr lvl="3"/>
             <a:r>
-              <a:rPr lang="en-US" smtClean="0"/>
+              <a:rPr lang="en-US"/>
               <a:t>Fourth level</a:t>
             </a:r>
           </a:p>
           <a:p>
             <a:pPr lvl="4"/>
             <a:r>
-              <a:rPr lang="en-US" smtClean="0"/>
+              <a:rPr lang="en-US"/>
               <a:t>Fifth level</a:t>
             </a:r>
-            <a:endParaRPr lang="en-US"/>
           </a:p>
         </p:txBody>
       </p:sp>
@@ -589,7 +589,7 @@
           <a:p>
             <a:fld id="{71B47EE2-30C8-4F3F-8EEE-DF49B96B39DC}" type="datetimeFigureOut">
               <a:rPr lang="en-US" smtClean="0"/>
-              <a:t>2/6/2019</a:t>
+              <a:t>2/10/2019</a:t>
             </a:fld>
             <a:endParaRPr lang="en-US"/>
           </a:p>
@@ -683,10 +683,9 @@
           <a:lstStyle/>
           <a:p>
             <a:r>
-              <a:rPr lang="en-US" smtClean="0"/>
+              <a:rPr lang="en-US"/>
               <a:t>Click to edit Master title style</a:t>
             </a:r>
-            <a:endParaRPr lang="en-US"/>
           </a:p>
         </p:txBody>
       </p:sp>
@@ -707,38 +706,37 @@
           <a:p>
             <a:pPr lvl="0"/>
             <a:r>
-              <a:rPr lang="en-US" smtClean="0"/>
+              <a:rPr lang="en-US"/>
               <a:t>Click to edit Master text styles</a:t>
             </a:r>
           </a:p>
           <a:p>
             <a:pPr lvl="1"/>
             <a:r>
-              <a:rPr lang="en-US" smtClean="0"/>
+              <a:rPr lang="en-US"/>
               <a:t>Second level</a:t>
             </a:r>
           </a:p>
           <a:p>
             <a:pPr lvl="2"/>
             <a:r>
-              <a:rPr lang="en-US" smtClean="0"/>
+              <a:rPr lang="en-US"/>
               <a:t>Third level</a:t>
             </a:r>
           </a:p>
           <a:p>
             <a:pPr lvl="3"/>
             <a:r>
-              <a:rPr lang="en-US" smtClean="0"/>
+              <a:rPr lang="en-US"/>
               <a:t>Fourth level</a:t>
             </a:r>
           </a:p>
           <a:p>
             <a:pPr lvl="4"/>
             <a:r>
-              <a:rPr lang="en-US" smtClean="0"/>
+              <a:rPr lang="en-US"/>
               <a:t>Fifth level</a:t>
             </a:r>
-            <a:endParaRPr lang="en-US"/>
           </a:p>
         </p:txBody>
       </p:sp>
@@ -759,7 +757,7 @@
           <a:p>
             <a:fld id="{71B47EE2-30C8-4F3F-8EEE-DF49B96B39DC}" type="datetimeFigureOut">
               <a:rPr lang="en-US" smtClean="0"/>
-              <a:t>2/6/2019</a:t>
+              <a:t>2/10/2019</a:t>
             </a:fld>
             <a:endParaRPr lang="en-US"/>
           </a:p>
@@ -862,10 +860,9 @@
           </a:lstStyle>
           <a:p>
             <a:r>
-              <a:rPr lang="en-US" smtClean="0"/>
+              <a:rPr lang="en-US"/>
               <a:t>Click to edit Master title style</a:t>
             </a:r>
-            <a:endParaRPr lang="en-US"/>
           </a:p>
         </p:txBody>
       </p:sp>
@@ -982,7 +979,7 @@
           <a:p>
             <a:pPr lvl="0"/>
             <a:r>
-              <a:rPr lang="en-US" smtClean="0"/>
+              <a:rPr lang="en-US"/>
               <a:t>Click to edit Master text styles</a:t>
             </a:r>
           </a:p>
@@ -1005,7 +1002,7 @@
           <a:p>
             <a:fld id="{71B47EE2-30C8-4F3F-8EEE-DF49B96B39DC}" type="datetimeFigureOut">
               <a:rPr lang="en-US" smtClean="0"/>
-              <a:t>2/6/2019</a:t>
+              <a:t>2/10/2019</a:t>
             </a:fld>
             <a:endParaRPr lang="en-US"/>
           </a:p>
@@ -1099,10 +1096,9 @@
           <a:lstStyle/>
           <a:p>
             <a:r>
-              <a:rPr lang="en-US" smtClean="0"/>
+              <a:rPr lang="en-US"/>
               <a:t>Click to edit Master title style</a:t>
             </a:r>
-            <a:endParaRPr lang="en-US"/>
           </a:p>
         </p:txBody>
       </p:sp>
@@ -1128,38 +1124,37 @@
           <a:p>
             <a:pPr lvl="0"/>
             <a:r>
-              <a:rPr lang="en-US" smtClean="0"/>
+              <a:rPr lang="en-US"/>
               <a:t>Click to edit Master text styles</a:t>
             </a:r>
           </a:p>
           <a:p>
             <a:pPr lvl="1"/>
             <a:r>
-              <a:rPr lang="en-US" smtClean="0"/>
+              <a:rPr lang="en-US"/>
               <a:t>Second level</a:t>
             </a:r>
           </a:p>
           <a:p>
             <a:pPr lvl="2"/>
             <a:r>
-              <a:rPr lang="en-US" smtClean="0"/>
+              <a:rPr lang="en-US"/>
               <a:t>Third level</a:t>
             </a:r>
           </a:p>
           <a:p>
             <a:pPr lvl="3"/>
             <a:r>
-              <a:rPr lang="en-US" smtClean="0"/>
+              <a:rPr lang="en-US"/>
               <a:t>Fourth level</a:t>
             </a:r>
           </a:p>
           <a:p>
             <a:pPr lvl="4"/>
             <a:r>
-              <a:rPr lang="en-US" smtClean="0"/>
+              <a:rPr lang="en-US"/>
               <a:t>Fifth level</a:t>
             </a:r>
-            <a:endParaRPr lang="en-US"/>
           </a:p>
         </p:txBody>
       </p:sp>
@@ -1185,38 +1180,37 @@
           <a:p>
             <a:pPr lvl="0"/>
             <a:r>
-              <a:rPr lang="en-US" smtClean="0"/>
+              <a:rPr lang="en-US"/>
               <a:t>Click to edit Master text styles</a:t>
             </a:r>
           </a:p>
           <a:p>
             <a:pPr lvl="1"/>
             <a:r>
-              <a:rPr lang="en-US" smtClean="0"/>
+              <a:rPr lang="en-US"/>
               <a:t>Second level</a:t>
             </a:r>
           </a:p>
           <a:p>
             <a:pPr lvl="2"/>
             <a:r>
-              <a:rPr lang="en-US" smtClean="0"/>
+              <a:rPr lang="en-US"/>
               <a:t>Third level</a:t>
             </a:r>
           </a:p>
           <a:p>
             <a:pPr lvl="3"/>
             <a:r>
-              <a:rPr lang="en-US" smtClean="0"/>
+              <a:rPr lang="en-US"/>
               <a:t>Fourth level</a:t>
             </a:r>
           </a:p>
           <a:p>
             <a:pPr lvl="4"/>
             <a:r>
-              <a:rPr lang="en-US" smtClean="0"/>
+              <a:rPr lang="en-US"/>
               <a:t>Fifth level</a:t>
             </a:r>
-            <a:endParaRPr lang="en-US"/>
           </a:p>
         </p:txBody>
       </p:sp>
@@ -1237,7 +1231,7 @@
           <a:p>
             <a:fld id="{71B47EE2-30C8-4F3F-8EEE-DF49B96B39DC}" type="datetimeFigureOut">
               <a:rPr lang="en-US" smtClean="0"/>
-              <a:t>2/6/2019</a:t>
+              <a:t>2/10/2019</a:t>
             </a:fld>
             <a:endParaRPr lang="en-US"/>
           </a:p>
@@ -1336,10 +1330,9 @@
           <a:lstStyle/>
           <a:p>
             <a:r>
-              <a:rPr lang="en-US" smtClean="0"/>
+              <a:rPr lang="en-US"/>
               <a:t>Click to edit Master title style</a:t>
             </a:r>
-            <a:endParaRPr lang="en-US"/>
           </a:p>
         </p:txBody>
       </p:sp>
@@ -1402,7 +1395,7 @@
           <a:p>
             <a:pPr lvl="0"/>
             <a:r>
-              <a:rPr lang="en-US" smtClean="0"/>
+              <a:rPr lang="en-US"/>
               <a:t>Click to edit Master text styles</a:t>
             </a:r>
           </a:p>
@@ -1430,38 +1423,37 @@
           <a:p>
             <a:pPr lvl="0"/>
             <a:r>
-              <a:rPr lang="en-US" smtClean="0"/>
+              <a:rPr lang="en-US"/>
               <a:t>Click to edit Master text styles</a:t>
             </a:r>
           </a:p>
           <a:p>
             <a:pPr lvl="1"/>
             <a:r>
-              <a:rPr lang="en-US" smtClean="0"/>
+              <a:rPr lang="en-US"/>
               <a:t>Second level</a:t>
             </a:r>
           </a:p>
           <a:p>
             <a:pPr lvl="2"/>
             <a:r>
-              <a:rPr lang="en-US" smtClean="0"/>
+              <a:rPr lang="en-US"/>
               <a:t>Third level</a:t>
             </a:r>
           </a:p>
           <a:p>
             <a:pPr lvl="3"/>
             <a:r>
-              <a:rPr lang="en-US" smtClean="0"/>
+              <a:rPr lang="en-US"/>
               <a:t>Fourth level</a:t>
             </a:r>
           </a:p>
           <a:p>
             <a:pPr lvl="4"/>
             <a:r>
-              <a:rPr lang="en-US" smtClean="0"/>
+              <a:rPr lang="en-US"/>
               <a:t>Fifth level</a:t>
             </a:r>
-            <a:endParaRPr lang="en-US"/>
           </a:p>
         </p:txBody>
       </p:sp>
@@ -1524,7 +1516,7 @@
           <a:p>
             <a:pPr lvl="0"/>
             <a:r>
-              <a:rPr lang="en-US" smtClean="0"/>
+              <a:rPr lang="en-US"/>
               <a:t>Click to edit Master text styles</a:t>
             </a:r>
           </a:p>
@@ -1552,38 +1544,37 @@
           <a:p>
             <a:pPr lvl="0"/>
             <a:r>
-              <a:rPr lang="en-US" smtClean="0"/>
+              <a:rPr lang="en-US"/>
               <a:t>Click to edit Master text styles</a:t>
             </a:r>
           </a:p>
           <a:p>
             <a:pPr lvl="1"/>
             <a:r>
-              <a:rPr lang="en-US" smtClean="0"/>
+              <a:rPr lang="en-US"/>
               <a:t>Second level</a:t>
             </a:r>
           </a:p>
           <a:p>
             <a:pPr lvl="2"/>
             <a:r>
-              <a:rPr lang="en-US" smtClean="0"/>
+              <a:rPr lang="en-US"/>
               <a:t>Third level</a:t>
             </a:r>
           </a:p>
           <a:p>
             <a:pPr lvl="3"/>
             <a:r>
-              <a:rPr lang="en-US" smtClean="0"/>
+              <a:rPr lang="en-US"/>
               <a:t>Fourth level</a:t>
             </a:r>
           </a:p>
           <a:p>
             <a:pPr lvl="4"/>
             <a:r>
-              <a:rPr lang="en-US" smtClean="0"/>
+              <a:rPr lang="en-US"/>
               <a:t>Fifth level</a:t>
             </a:r>
-            <a:endParaRPr lang="en-US"/>
           </a:p>
         </p:txBody>
       </p:sp>
@@ -1604,7 +1595,7 @@
           <a:p>
             <a:fld id="{71B47EE2-30C8-4F3F-8EEE-DF49B96B39DC}" type="datetimeFigureOut">
               <a:rPr lang="en-US" smtClean="0"/>
-              <a:t>2/6/2019</a:t>
+              <a:t>2/10/2019</a:t>
             </a:fld>
             <a:endParaRPr lang="en-US"/>
           </a:p>
@@ -1698,10 +1689,9 @@
           <a:lstStyle/>
           <a:p>
             <a:r>
-              <a:rPr lang="en-US" smtClean="0"/>
+              <a:rPr lang="en-US"/>
               <a:t>Click to edit Master title style</a:t>
             </a:r>
-            <a:endParaRPr lang="en-US"/>
           </a:p>
         </p:txBody>
       </p:sp>
@@ -1722,7 +1712,7 @@
           <a:p>
             <a:fld id="{71B47EE2-30C8-4F3F-8EEE-DF49B96B39DC}" type="datetimeFigureOut">
               <a:rPr lang="en-US" smtClean="0"/>
-              <a:t>2/6/2019</a:t>
+              <a:t>2/10/2019</a:t>
             </a:fld>
             <a:endParaRPr lang="en-US"/>
           </a:p>
@@ -1817,7 +1807,7 @@
           <a:p>
             <a:fld id="{71B47EE2-30C8-4F3F-8EEE-DF49B96B39DC}" type="datetimeFigureOut">
               <a:rPr lang="en-US" smtClean="0"/>
-              <a:t>2/6/2019</a:t>
+              <a:t>2/10/2019</a:t>
             </a:fld>
             <a:endParaRPr lang="en-US"/>
           </a:p>
@@ -1920,10 +1910,9 @@
           </a:lstStyle>
           <a:p>
             <a:r>
-              <a:rPr lang="en-US" smtClean="0"/>
+              <a:rPr lang="en-US"/>
               <a:t>Click to edit Master title style</a:t>
             </a:r>
-            <a:endParaRPr lang="en-US"/>
           </a:p>
         </p:txBody>
       </p:sp>
@@ -1977,38 +1966,37 @@
           <a:p>
             <a:pPr lvl="0"/>
             <a:r>
-              <a:rPr lang="en-US" smtClean="0"/>
+              <a:rPr lang="en-US"/>
               <a:t>Click to edit Master text styles</a:t>
             </a:r>
           </a:p>
           <a:p>
             <a:pPr lvl="1"/>
             <a:r>
-              <a:rPr lang="en-US" smtClean="0"/>
+              <a:rPr lang="en-US"/>
               <a:t>Second level</a:t>
             </a:r>
           </a:p>
           <a:p>
             <a:pPr lvl="2"/>
             <a:r>
-              <a:rPr lang="en-US" smtClean="0"/>
+              <a:rPr lang="en-US"/>
               <a:t>Third level</a:t>
             </a:r>
           </a:p>
           <a:p>
             <a:pPr lvl="3"/>
             <a:r>
-              <a:rPr lang="en-US" smtClean="0"/>
+              <a:rPr lang="en-US"/>
               <a:t>Fourth level</a:t>
             </a:r>
           </a:p>
           <a:p>
             <a:pPr lvl="4"/>
             <a:r>
-              <a:rPr lang="en-US" smtClean="0"/>
+              <a:rPr lang="en-US"/>
               <a:t>Fifth level</a:t>
             </a:r>
-            <a:endParaRPr lang="en-US"/>
           </a:p>
         </p:txBody>
       </p:sp>
@@ -2071,7 +2059,7 @@
           <a:p>
             <a:pPr lvl="0"/>
             <a:r>
-              <a:rPr lang="en-US" smtClean="0"/>
+              <a:rPr lang="en-US"/>
               <a:t>Click to edit Master text styles</a:t>
             </a:r>
           </a:p>
@@ -2094,7 +2082,7 @@
           <a:p>
             <a:fld id="{71B47EE2-30C8-4F3F-8EEE-DF49B96B39DC}" type="datetimeFigureOut">
               <a:rPr lang="en-US" smtClean="0"/>
-              <a:t>2/6/2019</a:t>
+              <a:t>2/10/2019</a:t>
             </a:fld>
             <a:endParaRPr lang="en-US"/>
           </a:p>
@@ -2197,10 +2185,9 @@
           </a:lstStyle>
           <a:p>
             <a:r>
-              <a:rPr lang="en-US" smtClean="0"/>
+              <a:rPr lang="en-US"/>
               <a:t>Click to edit Master title style</a:t>
             </a:r>
-            <a:endParaRPr lang="en-US"/>
           </a:p>
         </p:txBody>
       </p:sp>
@@ -2324,7 +2311,7 @@
           <a:p>
             <a:pPr lvl="0"/>
             <a:r>
-              <a:rPr lang="en-US" smtClean="0"/>
+              <a:rPr lang="en-US"/>
               <a:t>Click to edit Master text styles</a:t>
             </a:r>
           </a:p>
@@ -2347,7 +2334,7 @@
           <a:p>
             <a:fld id="{71B47EE2-30C8-4F3F-8EEE-DF49B96B39DC}" type="datetimeFigureOut">
               <a:rPr lang="en-US" smtClean="0"/>
-              <a:t>2/6/2019</a:t>
+              <a:t>2/10/2019</a:t>
             </a:fld>
             <a:endParaRPr lang="en-US"/>
           </a:p>
@@ -2456,10 +2443,9 @@
           <a:lstStyle/>
           <a:p>
             <a:r>
-              <a:rPr lang="en-US" smtClean="0"/>
+              <a:rPr lang="en-US"/>
               <a:t>Click to edit Master title style</a:t>
             </a:r>
-            <a:endParaRPr lang="en-US"/>
           </a:p>
         </p:txBody>
       </p:sp>
@@ -2490,38 +2476,37 @@
           <a:p>
             <a:pPr lvl="0"/>
             <a:r>
-              <a:rPr lang="en-US" smtClean="0"/>
+              <a:rPr lang="en-US"/>
               <a:t>Click to edit Master text styles</a:t>
             </a:r>
           </a:p>
           <a:p>
             <a:pPr lvl="1"/>
             <a:r>
-              <a:rPr lang="en-US" smtClean="0"/>
+              <a:rPr lang="en-US"/>
               <a:t>Second level</a:t>
             </a:r>
           </a:p>
           <a:p>
             <a:pPr lvl="2"/>
             <a:r>
-              <a:rPr lang="en-US" smtClean="0"/>
+              <a:rPr lang="en-US"/>
               <a:t>Third level</a:t>
             </a:r>
           </a:p>
           <a:p>
             <a:pPr lvl="3"/>
             <a:r>
-              <a:rPr lang="en-US" smtClean="0"/>
+              <a:rPr lang="en-US"/>
               <a:t>Fourth level</a:t>
             </a:r>
           </a:p>
           <a:p>
             <a:pPr lvl="4"/>
             <a:r>
-              <a:rPr lang="en-US" smtClean="0"/>
+              <a:rPr lang="en-US"/>
               <a:t>Fifth level</a:t>
             </a:r>
-            <a:endParaRPr lang="en-US"/>
           </a:p>
         </p:txBody>
       </p:sp>
@@ -2560,7 +2545,7 @@
           <a:p>
             <a:fld id="{71B47EE2-30C8-4F3F-8EEE-DF49B96B39DC}" type="datetimeFigureOut">
               <a:rPr lang="en-US" smtClean="0"/>
-              <a:t>2/6/2019</a:t>
+              <a:t>2/10/2019</a:t>
             </a:fld>
             <a:endParaRPr lang="en-US"/>
           </a:p>
@@ -3000,10 +2985,9 @@
           <a:p>
             <a:pPr algn="ctr"/>
             <a:r>
-              <a:rPr lang="en-US" dirty="0" smtClean="0"/>
+              <a:rPr lang="en-US" dirty="0"/>
               <a:t>SQL SERVER</a:t>
             </a:r>
-            <a:endParaRPr lang="en-US" dirty="0"/>
           </a:p>
         </p:txBody>
       </p:sp>
@@ -3049,12 +3033,12 @@
           <a:lstStyle/>
           <a:p>
             <a:pPr algn="ctr"/>
-            <a:endParaRPr lang="en-US" dirty="0" smtClean="0"/>
+            <a:endParaRPr lang="en-US" dirty="0"/>
           </a:p>
           <a:p>
             <a:pPr algn="ctr"/>
             <a:r>
-              <a:rPr lang="en-US" dirty="0" smtClean="0">
+              <a:rPr lang="en-US" dirty="0">
                 <a:solidFill>
                   <a:schemeClr val="tx2"/>
                 </a:solidFill>
@@ -3065,18 +3049,13 @@
           <a:p>
             <a:pPr algn="ctr"/>
             <a:r>
-              <a:rPr lang="en-US" dirty="0" smtClean="0">
+              <a:rPr lang="en-US" dirty="0">
                 <a:solidFill>
                   <a:schemeClr val="tx2"/>
                 </a:solidFill>
               </a:rPr>
               <a:t>SYSTEM</a:t>
             </a:r>
-            <a:endParaRPr lang="en-US" dirty="0">
-              <a:solidFill>
-                <a:schemeClr val="tx2"/>
-              </a:solidFill>
-            </a:endParaRPr>
           </a:p>
         </p:txBody>
       </p:sp>
@@ -3152,14 +3131,14 @@
           <a:p>
             <a:pPr algn="ctr"/>
             <a:r>
-              <a:rPr lang="en-US" sz="1600" dirty="0" smtClean="0"/>
+              <a:rPr lang="en-US" sz="1600" dirty="0"/>
               <a:t>MQTT</a:t>
             </a:r>
           </a:p>
           <a:p>
             <a:pPr algn="ctr"/>
             <a:r>
-              <a:rPr lang="en-US" sz="1600" dirty="0" smtClean="0"/>
+              <a:rPr lang="en-US" sz="1600" dirty="0"/>
               <a:t>SERVER</a:t>
             </a:r>
             <a:endParaRPr lang="en-US" sz="1600" dirty="0">
@@ -3207,7 +3186,7 @@
           <a:p>
             <a:pPr algn="ctr"/>
             <a:r>
-              <a:rPr lang="en-US" sz="1600" dirty="0" smtClean="0"/>
+              <a:rPr lang="en-US" sz="1600" dirty="0"/>
               <a:t>HEALTHCARE SENSOR</a:t>
             </a:r>
             <a:endParaRPr lang="en-US" sz="1400" dirty="0"/>
@@ -3391,10 +3370,9 @@
           <a:lstStyle/>
           <a:p>
             <a:r>
-              <a:rPr lang="en-US" dirty="0" smtClean="0"/>
+              <a:rPr lang="en-US" dirty="0"/>
               <a:t>APACHE KAFKA</a:t>
             </a:r>
-            <a:endParaRPr lang="en-US" dirty="0"/>
           </a:p>
         </p:txBody>
       </p:sp>
@@ -3435,14 +3413,14 @@
           <a:p>
             <a:pPr algn="ctr"/>
             <a:r>
-              <a:rPr lang="en-US" dirty="0" smtClean="0"/>
+              <a:rPr lang="en-US" dirty="0"/>
               <a:t>DATA</a:t>
             </a:r>
           </a:p>
           <a:p>
             <a:pPr algn="ctr"/>
             <a:r>
-              <a:rPr lang="en-US" dirty="0" smtClean="0"/>
+              <a:rPr lang="en-US" dirty="0"/>
               <a:t>WAREHOUSE</a:t>
             </a:r>
           </a:p>
@@ -3579,10 +3557,9 @@
           <a:p>
             <a:pPr algn="ctr"/>
             <a:r>
-              <a:rPr lang="en-US" dirty="0" smtClean="0"/>
+              <a:rPr lang="en-US" dirty="0"/>
               <a:t>Live Monitoring System</a:t>
             </a:r>
-            <a:endParaRPr lang="en-US" dirty="0"/>
           </a:p>
         </p:txBody>
       </p:sp>
@@ -3623,10 +3600,9 @@
           <a:p>
             <a:pPr algn="ctr"/>
             <a:r>
-              <a:rPr lang="en-US" dirty="0" smtClean="0"/>
+              <a:rPr lang="en-US" dirty="0"/>
               <a:t>Analysis</a:t>
             </a:r>
-            <a:endParaRPr lang="en-US" dirty="0"/>
           </a:p>
         </p:txBody>
       </p:sp>
@@ -3658,16 +3634,15 @@
           <a:lstStyle/>
           <a:p>
             <a:r>
-              <a:rPr lang="en-US" dirty="0" smtClean="0"/>
+              <a:rPr lang="en-US" dirty="0"/>
               <a:t>ELASTIC SEARCH</a:t>
             </a:r>
           </a:p>
           <a:p>
             <a:r>
-              <a:rPr lang="en-US" dirty="0" smtClean="0"/>
+              <a:rPr lang="en-US" dirty="0"/>
               <a:t>        KIBANA</a:t>
             </a:r>
-            <a:endParaRPr lang="en-US" dirty="0"/>
           </a:p>
         </p:txBody>
       </p:sp>
@@ -3719,13 +3694,6 @@
   <p:clrMapOvr>
     <a:masterClrMapping/>
   </p:clrMapOvr>
-  <p:timing>
-    <p:tnLst>
-      <p:par>
-        <p:cTn id="1" dur="indefinite" restart="never" nodeType="tmRoot"/>
-      </p:par>
-    </p:tnLst>
-  </p:timing>
 </p:sld>
 </file>
 
@@ -3781,10 +3749,9 @@
           <a:p>
             <a:pPr algn="ctr"/>
             <a:r>
-              <a:rPr lang="en-US" dirty="0" smtClean="0"/>
+              <a:rPr lang="en-US" dirty="0"/>
               <a:t>SQL SERVER</a:t>
             </a:r>
-            <a:endParaRPr lang="en-US" dirty="0"/>
           </a:p>
         </p:txBody>
       </p:sp>
@@ -3830,12 +3797,12 @@
           <a:lstStyle/>
           <a:p>
             <a:pPr algn="ctr"/>
-            <a:endParaRPr lang="en-US" dirty="0" smtClean="0"/>
+            <a:endParaRPr lang="en-US" dirty="0"/>
           </a:p>
           <a:p>
             <a:pPr algn="ctr"/>
             <a:r>
-              <a:rPr lang="en-US" dirty="0" smtClean="0">
+              <a:rPr lang="en-US" dirty="0">
                 <a:solidFill>
                   <a:schemeClr val="tx2"/>
                 </a:solidFill>
@@ -3846,18 +3813,13 @@
           <a:p>
             <a:pPr algn="ctr"/>
             <a:r>
-              <a:rPr lang="en-US" dirty="0" smtClean="0">
+              <a:rPr lang="en-US" dirty="0">
                 <a:solidFill>
                   <a:schemeClr val="tx2"/>
                 </a:solidFill>
               </a:rPr>
               <a:t>SYSTEM</a:t>
             </a:r>
-            <a:endParaRPr lang="en-US" dirty="0">
-              <a:solidFill>
-                <a:schemeClr val="tx2"/>
-              </a:solidFill>
-            </a:endParaRPr>
           </a:p>
         </p:txBody>
       </p:sp>
@@ -3933,14 +3895,14 @@
           <a:p>
             <a:pPr algn="ctr"/>
             <a:r>
-              <a:rPr lang="en-US" sz="1600" dirty="0" smtClean="0"/>
+              <a:rPr lang="en-US" sz="1600" dirty="0"/>
               <a:t>MQTT</a:t>
             </a:r>
           </a:p>
           <a:p>
             <a:pPr algn="ctr"/>
             <a:r>
-              <a:rPr lang="en-US" sz="1600" dirty="0" smtClean="0"/>
+              <a:rPr lang="en-US" sz="1600" dirty="0"/>
               <a:t>SERVER</a:t>
             </a:r>
             <a:endParaRPr lang="en-US" sz="1600" dirty="0">
@@ -3988,7 +3950,7 @@
           <a:p>
             <a:pPr algn="ctr"/>
             <a:r>
-              <a:rPr lang="en-US" sz="1600" dirty="0" smtClean="0"/>
+              <a:rPr lang="en-US" sz="1600" dirty="0"/>
               <a:t>HEALTHCARE SENSOR</a:t>
             </a:r>
             <a:endParaRPr lang="en-US" sz="1400" dirty="0"/>
@@ -4137,14 +4099,14 @@
           <a:p>
             <a:pPr algn="ctr"/>
             <a:r>
-              <a:rPr lang="en-US" dirty="0" smtClean="0"/>
+              <a:rPr lang="en-US" dirty="0"/>
               <a:t>DATA</a:t>
             </a:r>
           </a:p>
           <a:p>
             <a:pPr algn="ctr"/>
             <a:r>
-              <a:rPr lang="en-US" dirty="0" smtClean="0"/>
+              <a:rPr lang="en-US" dirty="0"/>
               <a:t>WAREHOUSE</a:t>
             </a:r>
           </a:p>
@@ -4274,16 +4236,15 @@
           <a:lstStyle/>
           <a:p>
             <a:r>
-              <a:rPr lang="en-US" dirty="0" smtClean="0"/>
+              <a:rPr lang="en-US" dirty="0"/>
               <a:t>ELASTIC SEARCH</a:t>
             </a:r>
           </a:p>
           <a:p>
             <a:r>
-              <a:rPr lang="en-US" dirty="0" smtClean="0"/>
+              <a:rPr lang="en-US" dirty="0"/>
               <a:t>        KIBANA</a:t>
             </a:r>
-            <a:endParaRPr lang="en-US" dirty="0"/>
           </a:p>
         </p:txBody>
       </p:sp>
@@ -4322,10 +4283,9 @@
           <a:p>
             <a:pPr algn="ctr"/>
             <a:r>
-              <a:rPr lang="en-US" dirty="0" smtClean="0"/>
+              <a:rPr lang="en-US" dirty="0"/>
               <a:t>Live Monitoring System</a:t>
             </a:r>
-            <a:endParaRPr lang="en-US" dirty="0"/>
           </a:p>
         </p:txBody>
       </p:sp>
@@ -4366,10 +4326,9 @@
           <a:p>
             <a:pPr algn="ctr"/>
             <a:r>
-              <a:rPr lang="en-US" dirty="0" smtClean="0"/>
+              <a:rPr lang="en-US" dirty="0"/>
               <a:t>Analysis</a:t>
             </a:r>
-            <a:endParaRPr lang="en-US" dirty="0"/>
           </a:p>
         </p:txBody>
       </p:sp>
@@ -4433,17 +4392,16 @@
           <a:p>
             <a:pPr algn="ctr"/>
             <a:r>
-              <a:rPr lang="en-US" dirty="0" smtClean="0"/>
+              <a:rPr lang="en-US" dirty="0"/>
               <a:t>ETL</a:t>
             </a:r>
             <a:br>
-              <a:rPr lang="en-US" dirty="0" smtClean="0"/>
+              <a:rPr lang="en-US" dirty="0"/>
             </a:br>
             <a:r>
-              <a:rPr lang="en-US" dirty="0" smtClean="0"/>
+              <a:rPr lang="en-US" dirty="0"/>
               <a:t>SERVER</a:t>
             </a:r>
-            <a:endParaRPr lang="en-US" dirty="0"/>
           </a:p>
         </p:txBody>
       </p:sp>
@@ -4495,13 +4453,531 @@
   <p:clrMapOvr>
     <a:masterClrMapping/>
   </p:clrMapOvr>
-  <p:timing>
-    <p:tnLst>
-      <p:par>
-        <p:cTn id="1" dur="indefinite" restart="never" nodeType="tmRoot"/>
-      </p:par>
-    </p:tnLst>
-  </p:timing>
+</p:sld>
+</file>
+
+<file path=ppt/slides/slide3.xml><?xml version="1.0" encoding="utf-8"?>
+<p:sld xmlns:a="http://schemas.openxmlformats.org/drawingml/2006/main" xmlns:r="http://schemas.openxmlformats.org/officeDocument/2006/relationships" xmlns:p="http://schemas.openxmlformats.org/presentationml/2006/main">
+  <p:cSld>
+    <p:spTree>
+      <p:nvGrpSpPr>
+        <p:cNvPr id="1" name=""/>
+        <p:cNvGrpSpPr/>
+        <p:nvPr/>
+      </p:nvGrpSpPr>
+      <p:grpSpPr>
+        <a:xfrm>
+          <a:off x="0" y="0"/>
+          <a:ext cx="0" cy="0"/>
+          <a:chOff x="0" y="0"/>
+          <a:chExt cx="0" cy="0"/>
+        </a:xfrm>
+      </p:grpSpPr>
+      <p:sp>
+        <p:nvSpPr>
+          <p:cNvPr id="4" name="Flowchart: Magnetic Disk 3"/>
+          <p:cNvSpPr/>
+          <p:nvPr/>
+        </p:nvSpPr>
+        <p:spPr>
+          <a:xfrm>
+            <a:off x="646287" y="1636659"/>
+            <a:ext cx="1435608" cy="1115568"/>
+          </a:xfrm>
+          <a:prstGeom prst="flowChartMagneticDisk">
+            <a:avLst/>
+          </a:prstGeom>
+        </p:spPr>
+        <p:style>
+          <a:lnRef idx="3">
+            <a:schemeClr val="lt1"/>
+          </a:lnRef>
+          <a:fillRef idx="1">
+            <a:schemeClr val="accent1"/>
+          </a:fillRef>
+          <a:effectRef idx="1">
+            <a:schemeClr val="accent1"/>
+          </a:effectRef>
+          <a:fontRef idx="minor">
+            <a:schemeClr val="lt1"/>
+          </a:fontRef>
+        </p:style>
+        <p:txBody>
+          <a:bodyPr rtlCol="0" anchor="ctr"/>
+          <a:lstStyle/>
+          <a:p>
+            <a:pPr algn="ctr"/>
+            <a:r>
+              <a:rPr lang="en-US" dirty="0"/>
+              <a:t>SQL SERVER</a:t>
+            </a:r>
+          </a:p>
+        </p:txBody>
+      </p:sp>
+      <p:sp>
+        <p:nvSpPr>
+          <p:cNvPr id="8" name="Rectangle 7"/>
+          <p:cNvSpPr/>
+          <p:nvPr/>
+        </p:nvSpPr>
+        <p:spPr>
+          <a:xfrm>
+            <a:off x="546409" y="3741575"/>
+            <a:ext cx="1628079" cy="2743201"/>
+          </a:xfrm>
+          <a:prstGeom prst="rect">
+            <a:avLst/>
+          </a:prstGeom>
+          <a:solidFill>
+            <a:schemeClr val="accent1">
+              <a:lumMod val="40000"/>
+              <a:lumOff val="60000"/>
+            </a:schemeClr>
+          </a:solidFill>
+        </p:spPr>
+        <p:style>
+          <a:lnRef idx="2">
+            <a:schemeClr val="accent1">
+              <a:shade val="50000"/>
+            </a:schemeClr>
+          </a:lnRef>
+          <a:fillRef idx="1">
+            <a:schemeClr val="accent1"/>
+          </a:fillRef>
+          <a:effectRef idx="0">
+            <a:schemeClr val="accent1"/>
+          </a:effectRef>
+          <a:fontRef idx="minor">
+            <a:schemeClr val="lt1"/>
+          </a:fontRef>
+        </p:style>
+        <p:txBody>
+          <a:bodyPr rtlCol="0" anchor="t"/>
+          <a:lstStyle/>
+          <a:p>
+            <a:pPr algn="ctr"/>
+            <a:endParaRPr lang="en-US" dirty="0"/>
+          </a:p>
+          <a:p>
+            <a:pPr algn="ctr"/>
+            <a:r>
+              <a:rPr lang="en-US" dirty="0">
+                <a:solidFill>
+                  <a:schemeClr val="tx2"/>
+                </a:solidFill>
+              </a:rPr>
+              <a:t>HEALTHCARE </a:t>
+            </a:r>
+          </a:p>
+          <a:p>
+            <a:pPr algn="ctr"/>
+            <a:r>
+              <a:rPr lang="en-US" dirty="0">
+                <a:solidFill>
+                  <a:schemeClr val="tx2"/>
+                </a:solidFill>
+              </a:rPr>
+              <a:t>SYSTEM</a:t>
+            </a:r>
+          </a:p>
+        </p:txBody>
+      </p:sp>
+      <p:cxnSp>
+        <p:nvCxnSpPr>
+          <p:cNvPr id="10" name="Straight Arrow Connector 9"/>
+          <p:cNvCxnSpPr>
+            <a:stCxn id="7" idx="0"/>
+          </p:cNvCxnSpPr>
+          <p:nvPr/>
+        </p:nvCxnSpPr>
+        <p:spPr>
+          <a:xfrm flipV="1">
+            <a:off x="1380932" y="4745904"/>
+            <a:ext cx="1" cy="920229"/>
+          </a:xfrm>
+          <a:prstGeom prst="straightConnector1">
+            <a:avLst/>
+          </a:prstGeom>
+          <a:ln>
+            <a:tailEnd type="triangle"/>
+          </a:ln>
+        </p:spPr>
+        <p:style>
+          <a:lnRef idx="1">
+            <a:schemeClr val="accent1"/>
+          </a:lnRef>
+          <a:fillRef idx="0">
+            <a:schemeClr val="accent1"/>
+          </a:fillRef>
+          <a:effectRef idx="0">
+            <a:schemeClr val="accent1"/>
+          </a:effectRef>
+          <a:fontRef idx="minor">
+            <a:schemeClr val="tx1"/>
+          </a:fontRef>
+        </p:style>
+      </p:cxnSp>
+      <p:sp>
+        <p:nvSpPr>
+          <p:cNvPr id="5" name="Rounded Rectangle 4"/>
+          <p:cNvSpPr/>
+          <p:nvPr/>
+        </p:nvSpPr>
+        <p:spPr>
+          <a:xfrm>
+            <a:off x="815262" y="4661804"/>
+            <a:ext cx="1094013" cy="895739"/>
+          </a:xfrm>
+          <a:prstGeom prst="roundRect">
+            <a:avLst/>
+          </a:prstGeom>
+        </p:spPr>
+        <p:style>
+          <a:lnRef idx="2">
+            <a:schemeClr val="accent1">
+              <a:shade val="50000"/>
+            </a:schemeClr>
+          </a:lnRef>
+          <a:fillRef idx="1">
+            <a:schemeClr val="accent1"/>
+          </a:fillRef>
+          <a:effectRef idx="0">
+            <a:schemeClr val="accent1"/>
+          </a:effectRef>
+          <a:fontRef idx="minor">
+            <a:schemeClr val="lt1"/>
+          </a:fontRef>
+        </p:style>
+        <p:txBody>
+          <a:bodyPr rtlCol="0" anchor="ctr"/>
+          <a:lstStyle/>
+          <a:p>
+            <a:pPr algn="ctr"/>
+            <a:r>
+              <a:rPr lang="en-US" sz="1600" dirty="0"/>
+              <a:t>MQTT</a:t>
+            </a:r>
+          </a:p>
+          <a:p>
+            <a:pPr algn="ctr"/>
+            <a:r>
+              <a:rPr lang="en-US" sz="1600" dirty="0"/>
+              <a:t>SERVER</a:t>
+            </a:r>
+            <a:endParaRPr lang="en-US" sz="1600" dirty="0">
+              <a:solidFill>
+                <a:srgbClr val="FF0000"/>
+              </a:solidFill>
+            </a:endParaRPr>
+          </a:p>
+        </p:txBody>
+      </p:sp>
+      <p:sp>
+        <p:nvSpPr>
+          <p:cNvPr id="7" name="Rounded Rectangle 6"/>
+          <p:cNvSpPr/>
+          <p:nvPr/>
+        </p:nvSpPr>
+        <p:spPr>
+          <a:xfrm>
+            <a:off x="679969" y="5666133"/>
+            <a:ext cx="1401926" cy="748779"/>
+          </a:xfrm>
+          <a:prstGeom prst="roundRect">
+            <a:avLst/>
+          </a:prstGeom>
+        </p:spPr>
+        <p:style>
+          <a:lnRef idx="2">
+            <a:schemeClr val="accent1">
+              <a:shade val="50000"/>
+            </a:schemeClr>
+          </a:lnRef>
+          <a:fillRef idx="1">
+            <a:schemeClr val="accent1"/>
+          </a:fillRef>
+          <a:effectRef idx="0">
+            <a:schemeClr val="accent1"/>
+          </a:effectRef>
+          <a:fontRef idx="minor">
+            <a:schemeClr val="lt1"/>
+          </a:fontRef>
+        </p:style>
+        <p:txBody>
+          <a:bodyPr rtlCol="0" anchor="ctr"/>
+          <a:lstStyle/>
+          <a:p>
+            <a:pPr algn="ctr"/>
+            <a:r>
+              <a:rPr lang="en-US" sz="1600" dirty="0"/>
+              <a:t>HEALTHCARE SENSOR</a:t>
+            </a:r>
+            <a:endParaRPr lang="en-US" sz="1400" dirty="0"/>
+          </a:p>
+        </p:txBody>
+      </p:sp>
+      <p:cxnSp>
+        <p:nvCxnSpPr>
+          <p:cNvPr id="12" name="Straight Arrow Connector 11"/>
+          <p:cNvCxnSpPr>
+            <a:stCxn id="5" idx="2"/>
+            <a:endCxn id="5" idx="2"/>
+          </p:cNvCxnSpPr>
+          <p:nvPr/>
+        </p:nvCxnSpPr>
+        <p:spPr>
+          <a:xfrm>
+            <a:off x="1362269" y="5557543"/>
+            <a:ext cx="0" cy="0"/>
+          </a:xfrm>
+          <a:prstGeom prst="straightConnector1">
+            <a:avLst/>
+          </a:prstGeom>
+          <a:ln>
+            <a:tailEnd type="triangle"/>
+          </a:ln>
+        </p:spPr>
+        <p:style>
+          <a:lnRef idx="1">
+            <a:schemeClr val="accent1"/>
+          </a:lnRef>
+          <a:fillRef idx="0">
+            <a:schemeClr val="accent1"/>
+          </a:fillRef>
+          <a:effectRef idx="0">
+            <a:schemeClr val="accent1"/>
+          </a:effectRef>
+          <a:fontRef idx="minor">
+            <a:schemeClr val="tx1"/>
+          </a:fontRef>
+        </p:style>
+      </p:cxnSp>
+      <p:cxnSp>
+        <p:nvCxnSpPr>
+          <p:cNvPr id="18" name="Straight Arrow Connector 17"/>
+          <p:cNvCxnSpPr>
+            <a:cxnSpLocks/>
+            <a:stCxn id="8" idx="0"/>
+            <a:endCxn id="4" idx="3"/>
+          </p:cNvCxnSpPr>
+          <p:nvPr/>
+        </p:nvCxnSpPr>
+        <p:spPr>
+          <a:xfrm flipV="1">
+            <a:off x="1360449" y="2752227"/>
+            <a:ext cx="3642" cy="989348"/>
+          </a:xfrm>
+          <a:prstGeom prst="straightConnector1">
+            <a:avLst/>
+          </a:prstGeom>
+          <a:ln>
+            <a:tailEnd type="triangle"/>
+          </a:ln>
+        </p:spPr>
+        <p:style>
+          <a:lnRef idx="1">
+            <a:schemeClr val="accent1"/>
+          </a:lnRef>
+          <a:fillRef idx="0">
+            <a:schemeClr val="accent1"/>
+          </a:fillRef>
+          <a:effectRef idx="0">
+            <a:schemeClr val="accent1"/>
+          </a:effectRef>
+          <a:fontRef idx="minor">
+            <a:schemeClr val="tx1"/>
+          </a:fontRef>
+        </p:style>
+      </p:cxnSp>
+      <p:sp>
+        <p:nvSpPr>
+          <p:cNvPr id="61" name="Cloud Callout 60"/>
+          <p:cNvSpPr/>
+          <p:nvPr/>
+        </p:nvSpPr>
+        <p:spPr>
+          <a:xfrm>
+            <a:off x="2988528" y="3189150"/>
+            <a:ext cx="1907372" cy="1472654"/>
+          </a:xfrm>
+          <a:prstGeom prst="cloudCallout">
+            <a:avLst>
+              <a:gd name="adj1" fmla="val 6345"/>
+              <a:gd name="adj2" fmla="val -73059"/>
+            </a:avLst>
+          </a:prstGeom>
+          <a:solidFill>
+            <a:schemeClr val="accent4">
+              <a:lumMod val="60000"/>
+              <a:lumOff val="40000"/>
+            </a:schemeClr>
+          </a:solidFill>
+        </p:spPr>
+        <p:style>
+          <a:lnRef idx="2">
+            <a:schemeClr val="accent1">
+              <a:shade val="50000"/>
+            </a:schemeClr>
+          </a:lnRef>
+          <a:fillRef idx="1">
+            <a:schemeClr val="accent1"/>
+          </a:fillRef>
+          <a:effectRef idx="0">
+            <a:schemeClr val="accent1"/>
+          </a:effectRef>
+          <a:fontRef idx="minor">
+            <a:schemeClr val="lt1"/>
+          </a:fontRef>
+        </p:style>
+        <p:txBody>
+          <a:bodyPr rtlCol="0" anchor="ctr"/>
+          <a:lstStyle/>
+          <a:p>
+            <a:pPr algn="ctr"/>
+            <a:r>
+              <a:rPr lang="en-US" dirty="0">
+                <a:solidFill>
+                  <a:schemeClr val="tx1"/>
+                </a:solidFill>
+              </a:rPr>
+              <a:t>Analysis</a:t>
+            </a:r>
+          </a:p>
+          <a:p>
+            <a:pPr algn="ctr"/>
+            <a:r>
+              <a:rPr lang="en-US" dirty="0">
+                <a:solidFill>
+                  <a:schemeClr val="tx1"/>
+                </a:solidFill>
+              </a:rPr>
+              <a:t>Monitoring</a:t>
+            </a:r>
+          </a:p>
+        </p:txBody>
+      </p:sp>
+      <p:sp>
+        <p:nvSpPr>
+          <p:cNvPr id="9" name="Rectangle 8">
+            <a:extLst>
+              <a:ext uri="{FF2B5EF4-FFF2-40B4-BE49-F238E27FC236}">
+                <a16:creationId xmlns:a16="http://schemas.microsoft.com/office/drawing/2014/main" id="{8E39340C-786A-4DEE-8CB1-2DE24835647B}"/>
+              </a:ext>
+            </a:extLst>
+          </p:cNvPr>
+          <p:cNvSpPr/>
+          <p:nvPr/>
+        </p:nvSpPr>
+        <p:spPr>
+          <a:xfrm>
+            <a:off x="3385792" y="1712194"/>
+            <a:ext cx="1363761" cy="1007690"/>
+          </a:xfrm>
+          <a:prstGeom prst="rect">
+            <a:avLst/>
+          </a:prstGeom>
+          <a:solidFill>
+            <a:schemeClr val="accent4">
+              <a:lumMod val="60000"/>
+              <a:lumOff val="40000"/>
+            </a:schemeClr>
+          </a:solidFill>
+        </p:spPr>
+        <p:style>
+          <a:lnRef idx="2">
+            <a:schemeClr val="accent1">
+              <a:shade val="50000"/>
+            </a:schemeClr>
+          </a:lnRef>
+          <a:fillRef idx="1">
+            <a:schemeClr val="accent1"/>
+          </a:fillRef>
+          <a:effectRef idx="0">
+            <a:schemeClr val="accent1"/>
+          </a:effectRef>
+          <a:fontRef idx="minor">
+            <a:schemeClr val="lt1"/>
+          </a:fontRef>
+        </p:style>
+        <p:txBody>
+          <a:bodyPr rtlCol="0" anchor="ctr"/>
+          <a:lstStyle/>
+          <a:p>
+            <a:pPr algn="ctr"/>
+            <a:r>
+              <a:rPr lang="en-US" dirty="0">
+                <a:solidFill>
+                  <a:schemeClr val="tx1"/>
+                </a:solidFill>
+              </a:rPr>
+              <a:t>Front-End</a:t>
+            </a:r>
+          </a:p>
+          <a:p>
+            <a:pPr algn="ctr"/>
+            <a:r>
+              <a:rPr lang="en-US" dirty="0">
+                <a:solidFill>
+                  <a:schemeClr val="tx1"/>
+                </a:solidFill>
+              </a:rPr>
+              <a:t>Application</a:t>
+            </a:r>
+          </a:p>
+        </p:txBody>
+      </p:sp>
+      <p:cxnSp>
+        <p:nvCxnSpPr>
+          <p:cNvPr id="24" name="Straight Arrow Connector 23">
+            <a:extLst>
+              <a:ext uri="{FF2B5EF4-FFF2-40B4-BE49-F238E27FC236}">
+                <a16:creationId xmlns:a16="http://schemas.microsoft.com/office/drawing/2014/main" id="{488C92B7-7B9A-483D-8AC9-3077A8D441A8}"/>
+              </a:ext>
+            </a:extLst>
+          </p:cNvPr>
+          <p:cNvCxnSpPr>
+            <a:stCxn id="4" idx="4"/>
+            <a:endCxn id="9" idx="1"/>
+          </p:cNvCxnSpPr>
+          <p:nvPr/>
+        </p:nvCxnSpPr>
+        <p:spPr>
+          <a:xfrm>
+            <a:off x="2081895" y="2194443"/>
+            <a:ext cx="1303897" cy="21596"/>
+          </a:xfrm>
+          <a:prstGeom prst="straightConnector1">
+            <a:avLst/>
+          </a:prstGeom>
+          <a:ln>
+            <a:tailEnd type="triangle"/>
+          </a:ln>
+        </p:spPr>
+        <p:style>
+          <a:lnRef idx="1">
+            <a:schemeClr val="accent1"/>
+          </a:lnRef>
+          <a:fillRef idx="0">
+            <a:schemeClr val="accent1"/>
+          </a:fillRef>
+          <a:effectRef idx="0">
+            <a:schemeClr val="accent1"/>
+          </a:effectRef>
+          <a:fontRef idx="minor">
+            <a:schemeClr val="tx1"/>
+          </a:fontRef>
+        </p:style>
+      </p:cxnSp>
+    </p:spTree>
+    <p:extLst>
+      <p:ext uri="{BB962C8B-B14F-4D97-AF65-F5344CB8AC3E}">
+        <p14:creationId xmlns:p14="http://schemas.microsoft.com/office/powerpoint/2010/main" val="2797921946"/>
+      </p:ext>
+    </p:extLst>
+  </p:cSld>
+  <p:clrMapOvr>
+    <a:masterClrMapping/>
+  </p:clrMapOvr>
 </p:sld>
 </file>
 
